--- a/docs/mainz.med.painExpectancy.v1/ProtocolIllustrations.pptx
+++ b/docs/mainz.med.painExpectancy.v1/ProtocolIllustrations.pptx
@@ -5,11 +5,14 @@
     <p:sldMasterId id="2147483660" r:id="rId1"/>
   </p:sldMasterIdLst>
   <p:notesMasterIdLst>
-    <p:notesMasterId r:id="rId4"/>
+    <p:notesMasterId r:id="rId7"/>
   </p:notesMasterIdLst>
   <p:sldIdLst>
     <p:sldId id="256" r:id="rId2"/>
     <p:sldId id="257" r:id="rId3"/>
+    <p:sldId id="258" r:id="rId4"/>
+    <p:sldId id="259" r:id="rId5"/>
+    <p:sldId id="260" r:id="rId6"/>
   </p:sldIdLst>
   <p:sldSz cx="12801600" cy="9601200" type="A3"/>
   <p:notesSz cx="9144000" cy="6858000"/>
@@ -3496,10 +3499,855 @@
           <a:chExt cx="0" cy="0"/>
         </a:xfrm>
       </p:grpSpPr>
+      <p:sp>
+        <p:nvSpPr>
+          <p:cNvPr id="4" name="Rectangle 3">
+            <a:extLst>
+              <a:ext uri="{FF2B5EF4-FFF2-40B4-BE49-F238E27FC236}">
+                <a16:creationId xmlns:a16="http://schemas.microsoft.com/office/drawing/2014/main" id="{09C0035B-A6E3-BAEB-0716-24658B50A11C}"/>
+              </a:ext>
+            </a:extLst>
+          </p:cNvPr>
+          <p:cNvSpPr/>
+          <p:nvPr/>
+        </p:nvSpPr>
+        <p:spPr>
+          <a:xfrm>
+            <a:off x="2315496" y="2271252"/>
+            <a:ext cx="6990735" cy="4689987"/>
+          </a:xfrm>
+          <a:prstGeom prst="rect">
+            <a:avLst/>
+          </a:prstGeom>
+          <a:solidFill>
+            <a:schemeClr val="tx1"/>
+          </a:solidFill>
+          <a:ln>
+            <a:solidFill>
+              <a:schemeClr val="tx1"/>
+            </a:solidFill>
+          </a:ln>
+        </p:spPr>
+        <p:style>
+          <a:lnRef idx="2">
+            <a:schemeClr val="accent1">
+              <a:shade val="15000"/>
+            </a:schemeClr>
+          </a:lnRef>
+          <a:fillRef idx="1">
+            <a:schemeClr val="accent1"/>
+          </a:fillRef>
+          <a:effectRef idx="0">
+            <a:schemeClr val="accent1"/>
+          </a:effectRef>
+          <a:fontRef idx="minor">
+            <a:schemeClr val="lt1"/>
+          </a:fontRef>
+        </p:style>
+        <p:txBody>
+          <a:bodyPr rtlCol="0" anchor="ctr"/>
+          <a:lstStyle/>
+          <a:p>
+            <a:pPr algn="ctr"/>
+            <a:endParaRPr lang="en-DK"/>
+          </a:p>
+        </p:txBody>
+      </p:sp>
+      <p:grpSp>
+        <p:nvGrpSpPr>
+          <p:cNvPr id="20" name="Group 19">
+            <a:extLst>
+              <a:ext uri="{FF2B5EF4-FFF2-40B4-BE49-F238E27FC236}">
+                <a16:creationId xmlns:a16="http://schemas.microsoft.com/office/drawing/2014/main" id="{44598A45-543A-706C-B3EE-64A2D70647DC}"/>
+              </a:ext>
+            </a:extLst>
+          </p:cNvPr>
+          <p:cNvGrpSpPr/>
+          <p:nvPr/>
+        </p:nvGrpSpPr>
+        <p:grpSpPr>
+          <a:xfrm>
+            <a:off x="2657714" y="3546987"/>
+            <a:ext cx="6306298" cy="2138516"/>
+            <a:chOff x="2680234" y="3561734"/>
+            <a:chExt cx="6306298" cy="2138516"/>
+          </a:xfrm>
+        </p:grpSpPr>
+        <p:grpSp>
+          <p:nvGrpSpPr>
+            <p:cNvPr id="18" name="Group 17">
+              <a:extLst>
+                <a:ext uri="{FF2B5EF4-FFF2-40B4-BE49-F238E27FC236}">
+                  <a16:creationId xmlns:a16="http://schemas.microsoft.com/office/drawing/2014/main" id="{0EB2D10F-EFAC-7D03-F821-17BE21AD9E34}"/>
+                </a:ext>
+              </a:extLst>
+            </p:cNvPr>
+            <p:cNvGrpSpPr/>
+            <p:nvPr/>
+          </p:nvGrpSpPr>
+          <p:grpSpPr>
+            <a:xfrm>
+              <a:off x="2680234" y="3561734"/>
+              <a:ext cx="2978154" cy="2138516"/>
+              <a:chOff x="2547499" y="-154858"/>
+              <a:chExt cx="2978154" cy="2138516"/>
+            </a:xfrm>
+          </p:grpSpPr>
+          <p:sp>
+            <p:nvSpPr>
+              <p:cNvPr id="12" name="Rectangle 11">
+                <a:extLst>
+                  <a:ext uri="{FF2B5EF4-FFF2-40B4-BE49-F238E27FC236}">
+                    <a16:creationId xmlns:a16="http://schemas.microsoft.com/office/drawing/2014/main" id="{4797D3A3-8613-A909-F70D-8A795CB743F0}"/>
+                  </a:ext>
+                </a:extLst>
+              </p:cNvPr>
+              <p:cNvSpPr/>
+              <p:nvPr/>
+            </p:nvSpPr>
+            <p:spPr>
+              <a:xfrm>
+                <a:off x="2547499" y="-154858"/>
+                <a:ext cx="2978154" cy="2138516"/>
+              </a:xfrm>
+              <a:prstGeom prst="rect">
+                <a:avLst/>
+              </a:prstGeom>
+              <a:solidFill>
+                <a:schemeClr val="bg1"/>
+              </a:solidFill>
+              <a:ln>
+                <a:solidFill>
+                  <a:schemeClr val="tx1"/>
+                </a:solidFill>
+              </a:ln>
+            </p:spPr>
+            <p:style>
+              <a:lnRef idx="2">
+                <a:schemeClr val="accent1">
+                  <a:shade val="15000"/>
+                </a:schemeClr>
+              </a:lnRef>
+              <a:fillRef idx="1">
+                <a:schemeClr val="accent1"/>
+              </a:fillRef>
+              <a:effectRef idx="0">
+                <a:schemeClr val="accent1"/>
+              </a:effectRef>
+              <a:fontRef idx="minor">
+                <a:schemeClr val="lt1"/>
+              </a:fontRef>
+            </p:style>
+            <p:txBody>
+              <a:bodyPr rtlCol="0" anchor="ctr"/>
+              <a:lstStyle/>
+              <a:p>
+                <a:pPr algn="ctr"/>
+                <a:endParaRPr lang="en-DK"/>
+              </a:p>
+            </p:txBody>
+          </p:sp>
+          <p:grpSp>
+            <p:nvGrpSpPr>
+              <p:cNvPr id="13" name="Group 12">
+                <a:extLst>
+                  <a:ext uri="{FF2B5EF4-FFF2-40B4-BE49-F238E27FC236}">
+                    <a16:creationId xmlns:a16="http://schemas.microsoft.com/office/drawing/2014/main" id="{64DE979A-C50A-57E8-2759-44127C080C51}"/>
+                  </a:ext>
+                </a:extLst>
+              </p:cNvPr>
+              <p:cNvGrpSpPr/>
+              <p:nvPr/>
+            </p:nvGrpSpPr>
+            <p:grpSpPr>
+              <a:xfrm>
+                <a:off x="2728886" y="14400"/>
+                <a:ext cx="2615381" cy="1800000"/>
+                <a:chOff x="2895069" y="3679722"/>
+                <a:chExt cx="2615381" cy="1800000"/>
+              </a:xfrm>
+              <a:solidFill>
+                <a:schemeClr val="bg1"/>
+              </a:solidFill>
+            </p:grpSpPr>
+            <p:pic>
+              <p:nvPicPr>
+                <p:cNvPr id="8" name="Picture 7">
+                  <a:extLst>
+                    <a:ext uri="{FF2B5EF4-FFF2-40B4-BE49-F238E27FC236}">
+                      <a16:creationId xmlns:a16="http://schemas.microsoft.com/office/drawing/2014/main" id="{C3FA05EC-722A-8F1B-0E89-24350FEC669A}"/>
+                    </a:ext>
+                  </a:extLst>
+                </p:cNvPr>
+                <p:cNvPicPr>
+                  <a:picLocks noChangeAspect="1"/>
+                </p:cNvPicPr>
+                <p:nvPr/>
+              </p:nvPicPr>
+              <p:blipFill>
+                <a:blip r:embed="rId2">
+                  <a:extLst>
+                    <a:ext uri="{28A0092B-C50C-407E-A947-70E740481C1C}">
+                      <a14:useLocalDpi xmlns:a14="http://schemas.microsoft.com/office/drawing/2010/main" val="0"/>
+                    </a:ext>
+                  </a:extLst>
+                </a:blip>
+                <a:stretch>
+                  <a:fillRect/>
+                </a:stretch>
+              </p:blipFill>
+              <p:spPr>
+                <a:xfrm>
+                  <a:off x="4306038" y="3679722"/>
+                  <a:ext cx="1204412" cy="1800000"/>
+                </a:xfrm>
+                <a:prstGeom prst="rect">
+                  <a:avLst/>
+                </a:prstGeom>
+                <a:grpFill/>
+              </p:spPr>
+            </p:pic>
+            <p:pic>
+              <p:nvPicPr>
+                <p:cNvPr id="10" name="Picture 9">
+                  <a:extLst>
+                    <a:ext uri="{FF2B5EF4-FFF2-40B4-BE49-F238E27FC236}">
+                      <a16:creationId xmlns:a16="http://schemas.microsoft.com/office/drawing/2014/main" id="{542327E7-D0E5-CB4A-29CA-E7F51F12BDAB}"/>
+                    </a:ext>
+                  </a:extLst>
+                </p:cNvPr>
+                <p:cNvPicPr>
+                  <a:picLocks noChangeAspect="1"/>
+                </p:cNvPicPr>
+                <p:nvPr/>
+              </p:nvPicPr>
+              <p:blipFill>
+                <a:blip r:embed="rId3">
+                  <a:extLst>
+                    <a:ext uri="{28A0092B-C50C-407E-A947-70E740481C1C}">
+                      <a14:useLocalDpi xmlns:a14="http://schemas.microsoft.com/office/drawing/2010/main" val="0"/>
+                    </a:ext>
+                  </a:extLst>
+                </a:blip>
+                <a:stretch>
+                  <a:fillRect/>
+                </a:stretch>
+              </p:blipFill>
+              <p:spPr>
+                <a:xfrm>
+                  <a:off x="2895069" y="3679722"/>
+                  <a:ext cx="1204411" cy="1800000"/>
+                </a:xfrm>
+                <a:prstGeom prst="rect">
+                  <a:avLst/>
+                </a:prstGeom>
+                <a:grpFill/>
+              </p:spPr>
+            </p:pic>
+          </p:grpSp>
+        </p:grpSp>
+        <p:grpSp>
+          <p:nvGrpSpPr>
+            <p:cNvPr id="19" name="Group 18">
+              <a:extLst>
+                <a:ext uri="{FF2B5EF4-FFF2-40B4-BE49-F238E27FC236}">
+                  <a16:creationId xmlns:a16="http://schemas.microsoft.com/office/drawing/2014/main" id="{12D3FEED-CFA6-4150-15B6-A2EEA5FC88D5}"/>
+                </a:ext>
+              </a:extLst>
+            </p:cNvPr>
+            <p:cNvGrpSpPr/>
+            <p:nvPr/>
+          </p:nvGrpSpPr>
+          <p:grpSpPr>
+            <a:xfrm>
+              <a:off x="6008378" y="3561734"/>
+              <a:ext cx="2978154" cy="2138516"/>
+              <a:chOff x="5875643" y="-154858"/>
+              <a:chExt cx="2978154" cy="2138516"/>
+            </a:xfrm>
+          </p:grpSpPr>
+          <p:sp>
+            <p:nvSpPr>
+              <p:cNvPr id="15" name="Rectangle 14">
+                <a:extLst>
+                  <a:ext uri="{FF2B5EF4-FFF2-40B4-BE49-F238E27FC236}">
+                    <a16:creationId xmlns:a16="http://schemas.microsoft.com/office/drawing/2014/main" id="{1F812D0E-DE41-9E85-D792-B90967181BCF}"/>
+                  </a:ext>
+                </a:extLst>
+              </p:cNvPr>
+              <p:cNvSpPr/>
+              <p:nvPr/>
+            </p:nvSpPr>
+            <p:spPr>
+              <a:xfrm>
+                <a:off x="5875643" y="-154858"/>
+                <a:ext cx="2978154" cy="2138516"/>
+              </a:xfrm>
+              <a:prstGeom prst="rect">
+                <a:avLst/>
+              </a:prstGeom>
+              <a:solidFill>
+                <a:schemeClr val="bg1"/>
+              </a:solidFill>
+              <a:ln>
+                <a:solidFill>
+                  <a:schemeClr val="tx1"/>
+                </a:solidFill>
+              </a:ln>
+            </p:spPr>
+            <p:style>
+              <a:lnRef idx="2">
+                <a:schemeClr val="accent1">
+                  <a:shade val="15000"/>
+                </a:schemeClr>
+              </a:lnRef>
+              <a:fillRef idx="1">
+                <a:schemeClr val="accent1"/>
+              </a:fillRef>
+              <a:effectRef idx="0">
+                <a:schemeClr val="accent1"/>
+              </a:effectRef>
+              <a:fontRef idx="minor">
+                <a:schemeClr val="lt1"/>
+              </a:fontRef>
+            </p:style>
+            <p:txBody>
+              <a:bodyPr rtlCol="0" anchor="ctr"/>
+              <a:lstStyle/>
+              <a:p>
+                <a:pPr algn="ctr"/>
+                <a:endParaRPr lang="en-DK"/>
+              </a:p>
+            </p:txBody>
+          </p:sp>
+          <p:grpSp>
+            <p:nvGrpSpPr>
+              <p:cNvPr id="14" name="Group 13">
+                <a:extLst>
+                  <a:ext uri="{FF2B5EF4-FFF2-40B4-BE49-F238E27FC236}">
+                    <a16:creationId xmlns:a16="http://schemas.microsoft.com/office/drawing/2014/main" id="{737B68BE-E347-575C-00F6-548B58DCBD8D}"/>
+                  </a:ext>
+                </a:extLst>
+              </p:cNvPr>
+              <p:cNvGrpSpPr/>
+              <p:nvPr/>
+            </p:nvGrpSpPr>
+            <p:grpSpPr>
+              <a:xfrm>
+                <a:off x="6057030" y="14400"/>
+                <a:ext cx="2615381" cy="1800000"/>
+                <a:chOff x="6206102" y="3679722"/>
+                <a:chExt cx="2615381" cy="1800000"/>
+              </a:xfrm>
+              <a:solidFill>
+                <a:schemeClr val="bg1"/>
+              </a:solidFill>
+            </p:grpSpPr>
+            <p:pic>
+              <p:nvPicPr>
+                <p:cNvPr id="6" name="Picture 5">
+                  <a:extLst>
+                    <a:ext uri="{FF2B5EF4-FFF2-40B4-BE49-F238E27FC236}">
+                      <a16:creationId xmlns:a16="http://schemas.microsoft.com/office/drawing/2014/main" id="{48AEB09B-A035-0F97-0B31-B81B180549E1}"/>
+                    </a:ext>
+                  </a:extLst>
+                </p:cNvPr>
+                <p:cNvPicPr>
+                  <a:picLocks noChangeAspect="1"/>
+                </p:cNvPicPr>
+                <p:nvPr/>
+              </p:nvPicPr>
+              <p:blipFill>
+                <a:blip r:embed="rId4">
+                  <a:extLst>
+                    <a:ext uri="{28A0092B-C50C-407E-A947-70E740481C1C}">
+                      <a14:useLocalDpi xmlns:a14="http://schemas.microsoft.com/office/drawing/2010/main" val="0"/>
+                    </a:ext>
+                  </a:extLst>
+                </a:blip>
+                <a:stretch>
+                  <a:fillRect/>
+                </a:stretch>
+              </p:blipFill>
+              <p:spPr>
+                <a:xfrm>
+                  <a:off x="6206102" y="3679722"/>
+                  <a:ext cx="1204412" cy="1800000"/>
+                </a:xfrm>
+                <a:prstGeom prst="rect">
+                  <a:avLst/>
+                </a:prstGeom>
+                <a:grpFill/>
+              </p:spPr>
+            </p:pic>
+            <p:pic>
+              <p:nvPicPr>
+                <p:cNvPr id="11" name="Picture 10">
+                  <a:extLst>
+                    <a:ext uri="{FF2B5EF4-FFF2-40B4-BE49-F238E27FC236}">
+                      <a16:creationId xmlns:a16="http://schemas.microsoft.com/office/drawing/2014/main" id="{C9563756-506D-3BF6-6200-A9CE9B7F26EC}"/>
+                    </a:ext>
+                  </a:extLst>
+                </p:cNvPr>
+                <p:cNvPicPr>
+                  <a:picLocks noChangeAspect="1"/>
+                </p:cNvPicPr>
+                <p:nvPr/>
+              </p:nvPicPr>
+              <p:blipFill>
+                <a:blip r:embed="rId2">
+                  <a:extLst>
+                    <a:ext uri="{28A0092B-C50C-407E-A947-70E740481C1C}">
+                      <a14:useLocalDpi xmlns:a14="http://schemas.microsoft.com/office/drawing/2010/main" val="0"/>
+                    </a:ext>
+                  </a:extLst>
+                </a:blip>
+                <a:stretch>
+                  <a:fillRect/>
+                </a:stretch>
+              </p:blipFill>
+              <p:spPr>
+                <a:xfrm>
+                  <a:off x="7617071" y="3679722"/>
+                  <a:ext cx="1204412" cy="1800000"/>
+                </a:xfrm>
+                <a:prstGeom prst="rect">
+                  <a:avLst/>
+                </a:prstGeom>
+                <a:grpFill/>
+              </p:spPr>
+            </p:pic>
+          </p:grpSp>
+        </p:grpSp>
+      </p:grpSp>
     </p:spTree>
     <p:extLst>
       <p:ext uri="{BB962C8B-B14F-4D97-AF65-F5344CB8AC3E}">
         <p14:creationId xmlns:p14="http://schemas.microsoft.com/office/powerpoint/2010/main" val="2569265589"/>
+      </p:ext>
+    </p:extLst>
+  </p:cSld>
+  <p:clrMapOvr>
+    <a:masterClrMapping/>
+  </p:clrMapOvr>
+</p:sld>
+</file>
+
+<file path=ppt/slides/slide3.xml><?xml version="1.0" encoding="utf-8"?>
+<p:sld xmlns:a="http://schemas.openxmlformats.org/drawingml/2006/main" xmlns:r="http://schemas.openxmlformats.org/officeDocument/2006/relationships" xmlns:p="http://schemas.openxmlformats.org/presentationml/2006/main">
+  <p:cSld>
+    <p:spTree>
+      <p:nvGrpSpPr>
+        <p:cNvPr id="1" name="">
+          <a:extLst>
+            <a:ext uri="{FF2B5EF4-FFF2-40B4-BE49-F238E27FC236}">
+              <a16:creationId xmlns:a16="http://schemas.microsoft.com/office/drawing/2014/main" id="{1D6D57CE-70BC-577D-778E-938C2F693BEF}"/>
+            </a:ext>
+          </a:extLst>
+        </p:cNvPr>
+        <p:cNvGrpSpPr/>
+        <p:nvPr/>
+      </p:nvGrpSpPr>
+      <p:grpSpPr>
+        <a:xfrm>
+          <a:off x="0" y="0"/>
+          <a:ext cx="0" cy="0"/>
+          <a:chOff x="0" y="0"/>
+          <a:chExt cx="0" cy="0"/>
+        </a:xfrm>
+      </p:grpSpPr>
+      <p:sp>
+        <p:nvSpPr>
+          <p:cNvPr id="2" name="Rectangle 1">
+            <a:extLst>
+              <a:ext uri="{FF2B5EF4-FFF2-40B4-BE49-F238E27FC236}">
+                <a16:creationId xmlns:a16="http://schemas.microsoft.com/office/drawing/2014/main" id="{368D96EC-A8E7-A3D6-A28E-DE20D5FB8831}"/>
+              </a:ext>
+            </a:extLst>
+          </p:cNvPr>
+          <p:cNvSpPr/>
+          <p:nvPr/>
+        </p:nvSpPr>
+        <p:spPr>
+          <a:xfrm>
+            <a:off x="2315496" y="2271252"/>
+            <a:ext cx="6990735" cy="4689987"/>
+          </a:xfrm>
+          <a:prstGeom prst="rect">
+            <a:avLst/>
+          </a:prstGeom>
+          <a:solidFill>
+            <a:schemeClr val="tx1"/>
+          </a:solidFill>
+          <a:ln>
+            <a:solidFill>
+              <a:schemeClr val="tx1"/>
+            </a:solidFill>
+          </a:ln>
+        </p:spPr>
+        <p:style>
+          <a:lnRef idx="2">
+            <a:schemeClr val="accent1">
+              <a:shade val="15000"/>
+            </a:schemeClr>
+          </a:lnRef>
+          <a:fillRef idx="1">
+            <a:schemeClr val="accent1"/>
+          </a:fillRef>
+          <a:effectRef idx="0">
+            <a:schemeClr val="accent1"/>
+          </a:effectRef>
+          <a:fontRef idx="minor">
+            <a:schemeClr val="lt1"/>
+          </a:fontRef>
+        </p:style>
+        <p:txBody>
+          <a:bodyPr rtlCol="0" anchor="ctr"/>
+          <a:lstStyle/>
+          <a:p>
+            <a:pPr algn="ctr"/>
+            <a:endParaRPr lang="en-DK"/>
+          </a:p>
+        </p:txBody>
+      </p:sp>
+      <p:grpSp>
+        <p:nvGrpSpPr>
+          <p:cNvPr id="19" name="Group 18">
+            <a:extLst>
+              <a:ext uri="{FF2B5EF4-FFF2-40B4-BE49-F238E27FC236}">
+                <a16:creationId xmlns:a16="http://schemas.microsoft.com/office/drawing/2014/main" id="{1C85F224-6C46-E4DA-952D-B528DA378425}"/>
+              </a:ext>
+            </a:extLst>
+          </p:cNvPr>
+          <p:cNvGrpSpPr/>
+          <p:nvPr/>
+        </p:nvGrpSpPr>
+        <p:grpSpPr>
+          <a:xfrm>
+            <a:off x="4321786" y="3546987"/>
+            <a:ext cx="2978154" cy="2138516"/>
+            <a:chOff x="5875643" y="-154858"/>
+            <a:chExt cx="2978154" cy="2138516"/>
+          </a:xfrm>
+        </p:grpSpPr>
+        <p:sp>
+          <p:nvSpPr>
+            <p:cNvPr id="20" name="Rectangle 19">
+              <a:extLst>
+                <a:ext uri="{FF2B5EF4-FFF2-40B4-BE49-F238E27FC236}">
+                  <a16:creationId xmlns:a16="http://schemas.microsoft.com/office/drawing/2014/main" id="{D4B23430-817B-83E6-759E-B6AAE45C67B6}"/>
+                </a:ext>
+              </a:extLst>
+            </p:cNvPr>
+            <p:cNvSpPr/>
+            <p:nvPr/>
+          </p:nvSpPr>
+          <p:spPr>
+            <a:xfrm>
+              <a:off x="5875643" y="-154858"/>
+              <a:ext cx="2978154" cy="2138516"/>
+            </a:xfrm>
+            <a:prstGeom prst="rect">
+              <a:avLst/>
+            </a:prstGeom>
+            <a:solidFill>
+              <a:schemeClr val="bg1"/>
+            </a:solidFill>
+            <a:ln>
+              <a:solidFill>
+                <a:schemeClr val="tx1"/>
+              </a:solidFill>
+            </a:ln>
+          </p:spPr>
+          <p:style>
+            <a:lnRef idx="2">
+              <a:schemeClr val="accent1">
+                <a:shade val="15000"/>
+              </a:schemeClr>
+            </a:lnRef>
+            <a:fillRef idx="1">
+              <a:schemeClr val="accent1"/>
+            </a:fillRef>
+            <a:effectRef idx="0">
+              <a:schemeClr val="accent1"/>
+            </a:effectRef>
+            <a:fontRef idx="minor">
+              <a:schemeClr val="lt1"/>
+            </a:fontRef>
+          </p:style>
+          <p:txBody>
+            <a:bodyPr rtlCol="0" anchor="ctr"/>
+            <a:lstStyle/>
+            <a:p>
+              <a:pPr algn="ctr"/>
+              <a:endParaRPr lang="en-DK"/>
+            </a:p>
+          </p:txBody>
+        </p:sp>
+        <p:grpSp>
+          <p:nvGrpSpPr>
+            <p:cNvPr id="21" name="Group 20">
+              <a:extLst>
+                <a:ext uri="{FF2B5EF4-FFF2-40B4-BE49-F238E27FC236}">
+                  <a16:creationId xmlns:a16="http://schemas.microsoft.com/office/drawing/2014/main" id="{EAADBC03-2901-9E87-7D07-2577A144FE47}"/>
+                </a:ext>
+              </a:extLst>
+            </p:cNvPr>
+            <p:cNvGrpSpPr/>
+            <p:nvPr/>
+          </p:nvGrpSpPr>
+          <p:grpSpPr>
+            <a:xfrm>
+              <a:off x="6057030" y="14400"/>
+              <a:ext cx="2615381" cy="1800000"/>
+              <a:chOff x="6206102" y="3679722"/>
+              <a:chExt cx="2615381" cy="1800000"/>
+            </a:xfrm>
+            <a:solidFill>
+              <a:schemeClr val="bg1"/>
+            </a:solidFill>
+          </p:grpSpPr>
+          <p:pic>
+            <p:nvPicPr>
+              <p:cNvPr id="22" name="Picture 21">
+                <a:extLst>
+                  <a:ext uri="{FF2B5EF4-FFF2-40B4-BE49-F238E27FC236}">
+                    <a16:creationId xmlns:a16="http://schemas.microsoft.com/office/drawing/2014/main" id="{54A6FE76-213B-1FB2-559C-6D86C9DFD4EB}"/>
+                  </a:ext>
+                </a:extLst>
+              </p:cNvPr>
+              <p:cNvPicPr>
+                <a:picLocks noChangeAspect="1"/>
+              </p:cNvPicPr>
+              <p:nvPr/>
+            </p:nvPicPr>
+            <p:blipFill>
+              <a:blip r:embed="rId2">
+                <a:extLst>
+                  <a:ext uri="{28A0092B-C50C-407E-A947-70E740481C1C}">
+                    <a14:useLocalDpi xmlns:a14="http://schemas.microsoft.com/office/drawing/2010/main" val="0"/>
+                  </a:ext>
+                </a:extLst>
+              </a:blip>
+              <a:stretch>
+                <a:fillRect/>
+              </a:stretch>
+            </p:blipFill>
+            <p:spPr>
+              <a:xfrm>
+                <a:off x="6206102" y="3679722"/>
+                <a:ext cx="1204412" cy="1800000"/>
+              </a:xfrm>
+              <a:prstGeom prst="rect">
+                <a:avLst/>
+              </a:prstGeom>
+              <a:grpFill/>
+            </p:spPr>
+          </p:pic>
+          <p:pic>
+            <p:nvPicPr>
+              <p:cNvPr id="23" name="Picture 22">
+                <a:extLst>
+                  <a:ext uri="{FF2B5EF4-FFF2-40B4-BE49-F238E27FC236}">
+                    <a16:creationId xmlns:a16="http://schemas.microsoft.com/office/drawing/2014/main" id="{A9C20B61-73DB-C5B3-2330-A71B57D23788}"/>
+                  </a:ext>
+                </a:extLst>
+              </p:cNvPr>
+              <p:cNvPicPr>
+                <a:picLocks noChangeAspect="1"/>
+              </p:cNvPicPr>
+              <p:nvPr/>
+            </p:nvPicPr>
+            <p:blipFill>
+              <a:blip r:embed="rId3">
+                <a:extLst>
+                  <a:ext uri="{28A0092B-C50C-407E-A947-70E740481C1C}">
+                    <a14:useLocalDpi xmlns:a14="http://schemas.microsoft.com/office/drawing/2010/main" val="0"/>
+                  </a:ext>
+                </a:extLst>
+              </a:blip>
+              <a:stretch>
+                <a:fillRect/>
+              </a:stretch>
+            </p:blipFill>
+            <p:spPr>
+              <a:xfrm>
+                <a:off x="7617071" y="3679722"/>
+                <a:ext cx="1204412" cy="1800000"/>
+              </a:xfrm>
+              <a:prstGeom prst="rect">
+                <a:avLst/>
+              </a:prstGeom>
+              <a:grpFill/>
+            </p:spPr>
+          </p:pic>
+        </p:grpSp>
+      </p:grpSp>
+    </p:spTree>
+    <p:extLst>
+      <p:ext uri="{BB962C8B-B14F-4D97-AF65-F5344CB8AC3E}">
+        <p14:creationId xmlns:p14="http://schemas.microsoft.com/office/powerpoint/2010/main" val="1537382961"/>
+      </p:ext>
+    </p:extLst>
+  </p:cSld>
+  <p:clrMapOvr>
+    <a:masterClrMapping/>
+  </p:clrMapOvr>
+</p:sld>
+</file>
+
+<file path=ppt/slides/slide4.xml><?xml version="1.0" encoding="utf-8"?>
+<p:sld xmlns:a="http://schemas.openxmlformats.org/drawingml/2006/main" xmlns:r="http://schemas.openxmlformats.org/officeDocument/2006/relationships" xmlns:p="http://schemas.openxmlformats.org/presentationml/2006/main">
+  <p:cSld>
+    <p:spTree>
+      <p:nvGrpSpPr>
+        <p:cNvPr id="1" name=""/>
+        <p:cNvGrpSpPr/>
+        <p:nvPr/>
+      </p:nvGrpSpPr>
+      <p:grpSpPr>
+        <a:xfrm>
+          <a:off x="0" y="0"/>
+          <a:ext cx="0" cy="0"/>
+          <a:chOff x="0" y="0"/>
+          <a:chExt cx="0" cy="0"/>
+        </a:xfrm>
+      </p:grpSpPr>
+      <p:sp>
+        <p:nvSpPr>
+          <p:cNvPr id="2" name="Rectangle 1">
+            <a:extLst>
+              <a:ext uri="{FF2B5EF4-FFF2-40B4-BE49-F238E27FC236}">
+                <a16:creationId xmlns:a16="http://schemas.microsoft.com/office/drawing/2014/main" id="{D79E3D16-2E35-616A-4C1B-4A3FC4707DA6}"/>
+              </a:ext>
+            </a:extLst>
+          </p:cNvPr>
+          <p:cNvSpPr/>
+          <p:nvPr/>
+        </p:nvSpPr>
+        <p:spPr>
+          <a:xfrm>
+            <a:off x="2315496" y="2271252"/>
+            <a:ext cx="6990735" cy="4689987"/>
+          </a:xfrm>
+          <a:prstGeom prst="rect">
+            <a:avLst/>
+          </a:prstGeom>
+          <a:solidFill>
+            <a:schemeClr val="tx1"/>
+          </a:solidFill>
+          <a:ln>
+            <a:solidFill>
+              <a:schemeClr val="tx1"/>
+            </a:solidFill>
+          </a:ln>
+        </p:spPr>
+        <p:style>
+          <a:lnRef idx="2">
+            <a:schemeClr val="accent1">
+              <a:shade val="15000"/>
+            </a:schemeClr>
+          </a:lnRef>
+          <a:fillRef idx="1">
+            <a:schemeClr val="accent1"/>
+          </a:fillRef>
+          <a:effectRef idx="0">
+            <a:schemeClr val="accent1"/>
+          </a:effectRef>
+          <a:fontRef idx="minor">
+            <a:schemeClr val="lt1"/>
+          </a:fontRef>
+        </p:style>
+        <p:txBody>
+          <a:bodyPr rtlCol="0" anchor="ctr"/>
+          <a:lstStyle/>
+          <a:p>
+            <a:pPr algn="ctr"/>
+            <a:endParaRPr lang="en-DK"/>
+          </a:p>
+        </p:txBody>
+      </p:sp>
+      <p:pic>
+        <p:nvPicPr>
+          <p:cNvPr id="3" name="Picture 2" descr="Lightning Bolt Yellow Symbol PNG &amp; SVG Design For T-Shirts">
+            <a:extLst>
+              <a:ext uri="{FF2B5EF4-FFF2-40B4-BE49-F238E27FC236}">
+                <a16:creationId xmlns:a16="http://schemas.microsoft.com/office/drawing/2014/main" id="{794456F2-60CF-7C70-3652-A8FD2A2808FC}"/>
+              </a:ext>
+            </a:extLst>
+          </p:cNvPr>
+          <p:cNvPicPr>
+            <a:picLocks noChangeAspect="1" noChangeArrowheads="1"/>
+          </p:cNvPicPr>
+          <p:nvPr/>
+        </p:nvPicPr>
+        <p:blipFill>
+          <a:blip r:embed="rId2">
+            <a:extLst>
+              <a:ext uri="{28A0092B-C50C-407E-A947-70E740481C1C}">
+                <a14:useLocalDpi xmlns:a14="http://schemas.microsoft.com/office/drawing/2010/main" val="0"/>
+              </a:ext>
+            </a:extLst>
+          </a:blip>
+          <a:srcRect/>
+          <a:stretch>
+            <a:fillRect/>
+          </a:stretch>
+        </p:blipFill>
+        <p:spPr bwMode="auto">
+          <a:xfrm>
+            <a:off x="4010863" y="3000600"/>
+            <a:ext cx="3600000" cy="3600000"/>
+          </a:xfrm>
+          <a:prstGeom prst="rect">
+            <a:avLst/>
+          </a:prstGeom>
+          <a:noFill/>
+          <a:extLst>
+            <a:ext uri="{909E8E84-426E-40DD-AFC4-6F175D3DCCD1}">
+              <a14:hiddenFill xmlns:a14="http://schemas.microsoft.com/office/drawing/2010/main">
+                <a:solidFill>
+                  <a:srgbClr val="FFFFFF"/>
+                </a:solidFill>
+              </a14:hiddenFill>
+            </a:ext>
+          </a:extLst>
+        </p:spPr>
+      </p:pic>
+    </p:spTree>
+    <p:extLst>
+      <p:ext uri="{BB962C8B-B14F-4D97-AF65-F5344CB8AC3E}">
+        <p14:creationId xmlns:p14="http://schemas.microsoft.com/office/powerpoint/2010/main" val="2980931281"/>
+      </p:ext>
+    </p:extLst>
+  </p:cSld>
+  <p:clrMapOvr>
+    <a:masterClrMapping/>
+  </p:clrMapOvr>
+</p:sld>
+</file>
+
+<file path=ppt/slides/slide5.xml><?xml version="1.0" encoding="utf-8"?>
+<p:sld xmlns:a="http://schemas.openxmlformats.org/drawingml/2006/main" xmlns:r="http://schemas.openxmlformats.org/officeDocument/2006/relationships" xmlns:p="http://schemas.openxmlformats.org/presentationml/2006/main">
+  <p:cSld>
+    <p:spTree>
+      <p:nvGrpSpPr>
+        <p:cNvPr id="1" name=""/>
+        <p:cNvGrpSpPr/>
+        <p:nvPr/>
+      </p:nvGrpSpPr>
+      <p:grpSpPr>
+        <a:xfrm>
+          <a:off x="0" y="0"/>
+          <a:ext cx="0" cy="0"/>
+          <a:chOff x="0" y="0"/>
+          <a:chExt cx="0" cy="0"/>
+        </a:xfrm>
+      </p:grpSpPr>
+    </p:spTree>
+    <p:extLst>
+      <p:ext uri="{BB962C8B-B14F-4D97-AF65-F5344CB8AC3E}">
+        <p14:creationId xmlns:p14="http://schemas.microsoft.com/office/powerpoint/2010/main" val="4287944300"/>
       </p:ext>
     </p:extLst>
   </p:cSld>
